--- a/Study Material/Semester 8/LS/Class1/Assignment1.pptx
+++ b/Study Material/Semester 8/LS/Class1/Assignment1.pptx
@@ -7,7 +7,10 @@
   <p:sldIdLst>
     <p:sldId id="256" r:id="rId2"/>
     <p:sldId id="257" r:id="rId3"/>
-    <p:sldId id="258" r:id="rId4"/>
+    <p:sldId id="259" r:id="rId4"/>
+    <p:sldId id="263" r:id="rId5"/>
+    <p:sldId id="264" r:id="rId6"/>
+    <p:sldId id="265" r:id="rId7"/>
   </p:sldIdLst>
   <p:sldSz cx="12192000" cy="6858000"/>
   <p:notesSz cx="6858000" cy="9144000"/>
@@ -106,6 +109,25 @@
       </a:defRPr>
     </a:lvl9pPr>
   </p:defaultTextStyle>
+  <p:extLst>
+    <p:ext uri="{521415D9-36F7-43E2-AB2F-B90AF26B5E84}">
+      <p14:sectionLst xmlns:p14="http://schemas.microsoft.com/office/powerpoint/2010/main">
+        <p14:section name="Default Section" id="{3FA9B78E-1BD5-438E-8F0A-6D5B9C6CC674}">
+          <p14:sldIdLst>
+            <p14:sldId id="256"/>
+            <p14:sldId id="257"/>
+            <p14:sldId id="259"/>
+            <p14:sldId id="263"/>
+            <p14:sldId id="264"/>
+            <p14:sldId id="265"/>
+          </p14:sldIdLst>
+        </p14:section>
+      </p14:sectionLst>
+    </p:ext>
+    <p:ext uri="{EFAFB233-063F-42B5-8137-9DF3F51BA10A}">
+      <p15:sldGuideLst xmlns:p15="http://schemas.microsoft.com/office/powerpoint/2012/main"/>
+    </p:ext>
+  </p:extLst>
 </p:presentation>
 </file>
 
@@ -248,7 +270,7 @@
           <a:p>
             <a:fld id="{E34250E3-3841-4F3C-B4B3-76CFB2403A3C}" type="datetimeFigureOut">
               <a:rPr lang="en-US" smtClean="0"/>
-              <a:t>5/6/2020</a:t>
+              <a:t>5/8/2020</a:t>
             </a:fld>
             <a:endParaRPr lang="en-US"/>
           </a:p>
@@ -459,7 +481,7 @@
           <a:p>
             <a:fld id="{E34250E3-3841-4F3C-B4B3-76CFB2403A3C}" type="datetimeFigureOut">
               <a:rPr lang="en-US" smtClean="0"/>
-              <a:t>5/6/2020</a:t>
+              <a:t>5/8/2020</a:t>
             </a:fld>
             <a:endParaRPr lang="en-US"/>
           </a:p>
@@ -674,7 +696,7 @@
           <a:p>
             <a:fld id="{E34250E3-3841-4F3C-B4B3-76CFB2403A3C}" type="datetimeFigureOut">
               <a:rPr lang="en-US" smtClean="0"/>
-              <a:t>5/6/2020</a:t>
+              <a:t>5/8/2020</a:t>
             </a:fld>
             <a:endParaRPr lang="en-US"/>
           </a:p>
@@ -875,7 +897,7 @@
           <a:p>
             <a:fld id="{E34250E3-3841-4F3C-B4B3-76CFB2403A3C}" type="datetimeFigureOut">
               <a:rPr lang="en-US" smtClean="0"/>
-              <a:t>5/6/2020</a:t>
+              <a:t>5/8/2020</a:t>
             </a:fld>
             <a:endParaRPr lang="en-US"/>
           </a:p>
@@ -1154,7 +1176,7 @@
           <a:p>
             <a:fld id="{E34250E3-3841-4F3C-B4B3-76CFB2403A3C}" type="datetimeFigureOut">
               <a:rPr lang="en-US" smtClean="0"/>
-              <a:t>5/6/2020</a:t>
+              <a:t>5/8/2020</a:t>
             </a:fld>
             <a:endParaRPr lang="en-US"/>
           </a:p>
@@ -1422,7 +1444,7 @@
           <a:p>
             <a:fld id="{E34250E3-3841-4F3C-B4B3-76CFB2403A3C}" type="datetimeFigureOut">
               <a:rPr lang="en-US" smtClean="0"/>
-              <a:t>5/6/2020</a:t>
+              <a:t>5/8/2020</a:t>
             </a:fld>
             <a:endParaRPr lang="en-US"/>
           </a:p>
@@ -1838,7 +1860,7 @@
           <a:p>
             <a:fld id="{E34250E3-3841-4F3C-B4B3-76CFB2403A3C}" type="datetimeFigureOut">
               <a:rPr lang="en-US" smtClean="0"/>
-              <a:t>5/6/2020</a:t>
+              <a:t>5/8/2020</a:t>
             </a:fld>
             <a:endParaRPr lang="en-US"/>
           </a:p>
@@ -1987,7 +2009,7 @@
           <a:p>
             <a:fld id="{E34250E3-3841-4F3C-B4B3-76CFB2403A3C}" type="datetimeFigureOut">
               <a:rPr lang="en-US" smtClean="0"/>
-              <a:t>5/6/2020</a:t>
+              <a:t>5/8/2020</a:t>
             </a:fld>
             <a:endParaRPr lang="en-US"/>
           </a:p>
@@ -2113,7 +2135,7 @@
           <a:p>
             <a:fld id="{E34250E3-3841-4F3C-B4B3-76CFB2403A3C}" type="datetimeFigureOut">
               <a:rPr lang="en-US" smtClean="0"/>
-              <a:t>5/6/2020</a:t>
+              <a:t>5/8/2020</a:t>
             </a:fld>
             <a:endParaRPr lang="en-US"/>
           </a:p>
@@ -2364,7 +2386,7 @@
           <a:p>
             <a:fld id="{E34250E3-3841-4F3C-B4B3-76CFB2403A3C}" type="datetimeFigureOut">
               <a:rPr lang="en-US" smtClean="0"/>
-              <a:t>5/6/2020</a:t>
+              <a:t>5/8/2020</a:t>
             </a:fld>
             <a:endParaRPr lang="en-US"/>
           </a:p>
@@ -2809,7 +2831,7 @@
           <a:p>
             <a:fld id="{E34250E3-3841-4F3C-B4B3-76CFB2403A3C}" type="datetimeFigureOut">
               <a:rPr lang="en-US" smtClean="0"/>
-              <a:t>5/6/2020</a:t>
+              <a:t>5/8/2020</a:t>
             </a:fld>
             <a:endParaRPr lang="en-US"/>
           </a:p>
@@ -3136,7 +3158,7 @@
           <a:p>
             <a:fld id="{E34250E3-3841-4F3C-B4B3-76CFB2403A3C}" type="datetimeFigureOut">
               <a:rPr lang="en-US" smtClean="0"/>
-              <a:t>5/6/2020</a:t>
+              <a:t>5/8/2020</a:t>
             </a:fld>
             <a:endParaRPr lang="en-US"/>
           </a:p>
@@ -3820,7 +3842,9 @@
         </p:nvSpPr>
         <p:spPr/>
         <p:txBody>
-          <a:bodyPr/>
+          <a:bodyPr>
+            <a:normAutofit/>
+          </a:bodyPr>
           <a:lstStyle/>
           <a:p>
             <a:r>
@@ -3831,13 +3855,13 @@
           <a:p>
             <a:r>
               <a:rPr lang="en-US" dirty="0"/>
+              <a:t>I was in the team of tech-heads and our goal was to setup Lab computers for coding competition. We had to lead the group members in installing essential software.</a:t>
+            </a:r>
+          </a:p>
+          <a:p>
+            <a:r>
+              <a:rPr lang="en-US" dirty="0"/>
               <a:t>It was influence as there were many fellows who volunteered in that event. I practiced hands-on leadership tactics by setting up computers while being tech head and working with tech team members.</a:t>
-            </a:r>
-          </a:p>
-          <a:p>
-            <a:r>
-              <a:rPr lang="en-US" dirty="0"/>
-              <a:t>Overall experience was good. I got recognition and respect among juniors.</a:t>
             </a:r>
           </a:p>
         </p:txBody>
@@ -3927,24 +3951,32 @@
         </p:nvSpPr>
         <p:spPr/>
         <p:txBody>
-          <a:bodyPr/>
-          <a:lstStyle/>
-          <a:p>
-            <a:r>
-              <a:rPr lang="en-US" dirty="0"/>
-              <a:t>I volunteered in ITEC 19 organized by Society of Advancement of Computing, Computer Science department.</a:t>
-            </a:r>
-          </a:p>
-          <a:p>
-            <a:r>
-              <a:rPr lang="en-US" dirty="0"/>
-              <a:t>It was influence as there were many fellows who volunteered in that event. I practiced hands-on leadership tactics by setting up computers while being tech head and working with tech team members.</a:t>
-            </a:r>
-          </a:p>
+          <a:bodyPr>
+            <a:normAutofit/>
+          </a:bodyPr>
+          <a:lstStyle/>
           <a:p>
             <a:r>
               <a:rPr lang="en-US" dirty="0"/>
               <a:t>Overall experience was good. I got recognition and respect among juniors.</a:t>
+            </a:r>
+          </a:p>
+          <a:p>
+            <a:r>
+              <a:rPr lang="en-US" dirty="0"/>
+              <a:t>I learnt about the controller software so called PC-Square.</a:t>
+            </a:r>
+          </a:p>
+          <a:p>
+            <a:r>
+              <a:rPr lang="en-US" dirty="0"/>
+              <a:t>Grasp the bullets of connecting participants to master computers centrally.</a:t>
+            </a:r>
+          </a:p>
+          <a:p>
+            <a:r>
+              <a:rPr lang="en-US" dirty="0"/>
+              <a:t>Became a competent in managing a cross-university event.</a:t>
             </a:r>
           </a:p>
         </p:txBody>
@@ -3964,7 +3996,7 @@
         <p:spPr>
           <a:xfrm>
             <a:off x="1451579" y="1302878"/>
-            <a:ext cx="6271269" cy="523220"/>
+            <a:ext cx="1527982" cy="523220"/>
           </a:xfrm>
           <a:prstGeom prst="rect">
             <a:avLst/>
@@ -3981,7 +4013,19 @@
               <a:rPr lang="en-US" sz="2800" dirty="0">
                 <a:latin typeface="+mj-lt"/>
               </a:rPr>
-              <a:t>Q2. Think about the leaders…perception?</a:t>
+              <a:t>(</a:t>
+            </a:r>
+            <a:r>
+              <a:rPr lang="en-US" sz="2800" dirty="0" err="1">
+                <a:latin typeface="+mj-lt"/>
+              </a:rPr>
+              <a:t>Cont</a:t>
+            </a:r>
+            <a:r>
+              <a:rPr lang="en-US" sz="2800" dirty="0">
+                <a:latin typeface="+mj-lt"/>
+              </a:rPr>
+              <a:t>…)</a:t>
             </a:r>
           </a:p>
         </p:txBody>
@@ -3989,7 +4033,343 @@
     </p:spTree>
     <p:extLst>
       <p:ext uri="{BB962C8B-B14F-4D97-AF65-F5344CB8AC3E}">
-        <p14:creationId xmlns:p14="http://schemas.microsoft.com/office/powerpoint/2010/main" val="1048347179"/>
+        <p14:creationId xmlns:p14="http://schemas.microsoft.com/office/powerpoint/2010/main" val="1551071180"/>
+      </p:ext>
+    </p:extLst>
+  </p:cSld>
+  <p:clrMapOvr>
+    <a:masterClrMapping/>
+  </p:clrMapOvr>
+</p:sld>
+</file>
+
+<file path=ppt/slides/slide4.xml><?xml version="1.0" encoding="utf-8"?>
+<p:sld xmlns:a="http://schemas.openxmlformats.org/drawingml/2006/main" xmlns:r="http://schemas.openxmlformats.org/officeDocument/2006/relationships" xmlns:p="http://schemas.openxmlformats.org/presentationml/2006/main">
+  <p:cSld>
+    <p:spTree>
+      <p:nvGrpSpPr>
+        <p:cNvPr id="1" name=""/>
+        <p:cNvGrpSpPr/>
+        <p:nvPr/>
+      </p:nvGrpSpPr>
+      <p:grpSpPr>
+        <a:xfrm>
+          <a:off x="0" y="0"/>
+          <a:ext cx="0" cy="0"/>
+          <a:chOff x="0" y="0"/>
+          <a:chExt cx="0" cy="0"/>
+        </a:xfrm>
+      </p:grpSpPr>
+      <p:sp>
+        <p:nvSpPr>
+          <p:cNvPr id="3" name="Content Placeholder 2">
+            <a:extLst>
+              <a:ext uri="{FF2B5EF4-FFF2-40B4-BE49-F238E27FC236}">
+                <a16:creationId xmlns:a16="http://schemas.microsoft.com/office/drawing/2014/main" id="{A5E80FC1-7DB3-4C5D-AE5C-DBC6DC3FA7AF}"/>
+              </a:ext>
+            </a:extLst>
+          </p:cNvPr>
+          <p:cNvSpPr>
+            <a:spLocks noGrp="1"/>
+          </p:cNvSpPr>
+          <p:nvPr>
+            <p:ph idx="1"/>
+          </p:nvPr>
+        </p:nvSpPr>
+        <p:spPr/>
+        <p:txBody>
+          <a:bodyPr/>
+          <a:lstStyle/>
+          <a:p>
+            <a:r>
+              <a:rPr lang="en-US" b="1" dirty="0"/>
+              <a:t>Abdul Sattar Edhi,</a:t>
+            </a:r>
+            <a:r>
+              <a:rPr lang="en-US" dirty="0"/>
+              <a:t> a Pakistani philanthropist, ascetic, and humanitarian who founded the Edhi Foundation, which runs the world's largest volunteer ambulance network</a:t>
+            </a:r>
+          </a:p>
+          <a:p>
+            <a:r>
+              <a:rPr lang="en-US" b="1" dirty="0"/>
+              <a:t>Junaid Jamshed Khan, </a:t>
+            </a:r>
+            <a:r>
+              <a:rPr lang="en-US" dirty="0"/>
+              <a:t>a Pakistani recording artist, television personality, fashion designer, occasional actor, singer-songwriter, and preacher.</a:t>
+            </a:r>
+          </a:p>
+          <a:p>
+            <a:r>
+              <a:rPr lang="en-US" b="1" dirty="0"/>
+              <a:t>Dr. Abdul Qadeer Khan,</a:t>
+            </a:r>
+            <a:r>
+              <a:rPr lang="en-US" dirty="0"/>
+              <a:t> a Pakistani columnist, nuclear physicist and metallurgical engineer who founded the uranium enrichment program for Pakistan's atomic bomb project</a:t>
+            </a:r>
+            <a:endParaRPr lang="en-US" b="1" dirty="0"/>
+          </a:p>
+        </p:txBody>
+      </p:sp>
+      <p:sp>
+        <p:nvSpPr>
+          <p:cNvPr id="7" name="TextBox 6">
+            <a:extLst>
+              <a:ext uri="{FF2B5EF4-FFF2-40B4-BE49-F238E27FC236}">
+                <a16:creationId xmlns:a16="http://schemas.microsoft.com/office/drawing/2014/main" id="{AE053E61-9BA1-46F1-9F57-6CBD5AA22950}"/>
+              </a:ext>
+            </a:extLst>
+          </p:cNvPr>
+          <p:cNvSpPr txBox="1"/>
+          <p:nvPr/>
+        </p:nvSpPr>
+        <p:spPr>
+          <a:xfrm>
+            <a:off x="1451579" y="1302878"/>
+            <a:ext cx="6271269" cy="523220"/>
+          </a:xfrm>
+          <a:prstGeom prst="rect">
+            <a:avLst/>
+          </a:prstGeom>
+          <a:noFill/>
+        </p:spPr>
+        <p:txBody>
+          <a:bodyPr wrap="none" rtlCol="0">
+            <a:spAutoFit/>
+          </a:bodyPr>
+          <a:lstStyle/>
+          <a:p>
+            <a:r>
+              <a:rPr lang="en-US" sz="2800" dirty="0">
+                <a:latin typeface="+mj-lt"/>
+              </a:rPr>
+              <a:t>Q2. Think about the leaders…perception?</a:t>
+            </a:r>
+          </a:p>
+        </p:txBody>
+      </p:sp>
+    </p:spTree>
+    <p:extLst>
+      <p:ext uri="{BB962C8B-B14F-4D97-AF65-F5344CB8AC3E}">
+        <p14:creationId xmlns:p14="http://schemas.microsoft.com/office/powerpoint/2010/main" val="4035989725"/>
+      </p:ext>
+    </p:extLst>
+  </p:cSld>
+  <p:clrMapOvr>
+    <a:masterClrMapping/>
+  </p:clrMapOvr>
+</p:sld>
+</file>
+
+<file path=ppt/slides/slide5.xml><?xml version="1.0" encoding="utf-8"?>
+<p:sld xmlns:a="http://schemas.openxmlformats.org/drawingml/2006/main" xmlns:r="http://schemas.openxmlformats.org/officeDocument/2006/relationships" xmlns:p="http://schemas.openxmlformats.org/presentationml/2006/main">
+  <p:cSld>
+    <p:spTree>
+      <p:nvGrpSpPr>
+        <p:cNvPr id="1" name=""/>
+        <p:cNvGrpSpPr/>
+        <p:nvPr/>
+      </p:nvGrpSpPr>
+      <p:grpSpPr>
+        <a:xfrm>
+          <a:off x="0" y="0"/>
+          <a:ext cx="0" cy="0"/>
+          <a:chOff x="0" y="0"/>
+          <a:chExt cx="0" cy="0"/>
+        </a:xfrm>
+      </p:grpSpPr>
+      <p:sp>
+        <p:nvSpPr>
+          <p:cNvPr id="3" name="Content Placeholder 2">
+            <a:extLst>
+              <a:ext uri="{FF2B5EF4-FFF2-40B4-BE49-F238E27FC236}">
+                <a16:creationId xmlns:a16="http://schemas.microsoft.com/office/drawing/2014/main" id="{A5E80FC1-7DB3-4C5D-AE5C-DBC6DC3FA7AF}"/>
+              </a:ext>
+            </a:extLst>
+          </p:cNvPr>
+          <p:cNvSpPr>
+            <a:spLocks noGrp="1"/>
+          </p:cNvSpPr>
+          <p:nvPr>
+            <p:ph idx="1"/>
+          </p:nvPr>
+        </p:nvSpPr>
+        <p:spPr/>
+        <p:txBody>
+          <a:bodyPr/>
+          <a:lstStyle/>
+          <a:p>
+            <a:r>
+              <a:rPr lang="en-US" b="1" dirty="0"/>
+              <a:t>Muhammad Ali Jinnah, </a:t>
+            </a:r>
+            <a:r>
+              <a:rPr lang="en-US" dirty="0"/>
+              <a:t>extremely intelligent lawyer, hard-working, man with vision and peace loving person. Known as Quaid-e-Azam or Great Leader. He successfully campaigned and led Pakistan’s independence from India.</a:t>
+            </a:r>
+          </a:p>
+          <a:p>
+            <a:r>
+              <a:rPr lang="en-US" b="1" dirty="0" err="1"/>
+              <a:t>Allama</a:t>
+            </a:r>
+            <a:r>
+              <a:rPr lang="en-US" b="1" dirty="0"/>
+              <a:t> Muhammad Iqbal, </a:t>
+            </a:r>
+            <a:r>
+              <a:rPr lang="en-US" dirty="0"/>
+              <a:t>inspired the Pakistan movement by his Sufi </a:t>
+            </a:r>
+            <a:r>
+              <a:rPr lang="en-US" dirty="0" err="1"/>
+              <a:t>Kalaam</a:t>
+            </a:r>
+            <a:r>
+              <a:rPr lang="en-US" dirty="0"/>
+              <a:t>. He is considered one of the most important figures in Urdu literature, literary work such as </a:t>
+            </a:r>
+            <a:r>
+              <a:rPr lang="en-US" dirty="0" err="1"/>
+              <a:t>Shikva</a:t>
+            </a:r>
+            <a:r>
+              <a:rPr lang="en-US" dirty="0"/>
+              <a:t> and Jawab-e-</a:t>
+            </a:r>
+            <a:r>
+              <a:rPr lang="en-US" dirty="0" err="1"/>
+              <a:t>Shikva</a:t>
+            </a:r>
+            <a:r>
+              <a:rPr lang="en-US"/>
+              <a:t>.</a:t>
+            </a:r>
+            <a:endParaRPr lang="en-US" dirty="0"/>
+          </a:p>
+          <a:p>
+            <a:endParaRPr lang="en-US" dirty="0"/>
+          </a:p>
+        </p:txBody>
+      </p:sp>
+      <p:sp>
+        <p:nvSpPr>
+          <p:cNvPr id="7" name="TextBox 6">
+            <a:extLst>
+              <a:ext uri="{FF2B5EF4-FFF2-40B4-BE49-F238E27FC236}">
+                <a16:creationId xmlns:a16="http://schemas.microsoft.com/office/drawing/2014/main" id="{AE053E61-9BA1-46F1-9F57-6CBD5AA22950}"/>
+              </a:ext>
+            </a:extLst>
+          </p:cNvPr>
+          <p:cNvSpPr txBox="1"/>
+          <p:nvPr/>
+        </p:nvSpPr>
+        <p:spPr>
+          <a:xfrm>
+            <a:off x="1451579" y="1302878"/>
+            <a:ext cx="1527982" cy="523220"/>
+          </a:xfrm>
+          <a:prstGeom prst="rect">
+            <a:avLst/>
+          </a:prstGeom>
+          <a:noFill/>
+        </p:spPr>
+        <p:txBody>
+          <a:bodyPr wrap="none" rtlCol="0">
+            <a:spAutoFit/>
+          </a:bodyPr>
+          <a:lstStyle/>
+          <a:p>
+            <a:r>
+              <a:rPr lang="en-US" sz="2800" dirty="0">
+                <a:latin typeface="+mj-lt"/>
+              </a:rPr>
+              <a:t>(</a:t>
+            </a:r>
+            <a:r>
+              <a:rPr lang="en-US" sz="2800" dirty="0" err="1">
+                <a:latin typeface="+mj-lt"/>
+              </a:rPr>
+              <a:t>Cont</a:t>
+            </a:r>
+            <a:r>
+              <a:rPr lang="en-US" sz="2800" dirty="0">
+                <a:latin typeface="+mj-lt"/>
+              </a:rPr>
+              <a:t>…)</a:t>
+            </a:r>
+          </a:p>
+        </p:txBody>
+      </p:sp>
+    </p:spTree>
+    <p:extLst>
+      <p:ext uri="{BB962C8B-B14F-4D97-AF65-F5344CB8AC3E}">
+        <p14:creationId xmlns:p14="http://schemas.microsoft.com/office/powerpoint/2010/main" val="95299510"/>
+      </p:ext>
+    </p:extLst>
+  </p:cSld>
+  <p:clrMapOvr>
+    <a:masterClrMapping/>
+  </p:clrMapOvr>
+</p:sld>
+</file>
+
+<file path=ppt/slides/slide6.xml><?xml version="1.0" encoding="utf-8"?>
+<p:sld xmlns:a="http://schemas.openxmlformats.org/drawingml/2006/main" xmlns:r="http://schemas.openxmlformats.org/officeDocument/2006/relationships" xmlns:p="http://schemas.openxmlformats.org/presentationml/2006/main">
+  <p:cSld>
+    <p:spTree>
+      <p:nvGrpSpPr>
+        <p:cNvPr id="1" name=""/>
+        <p:cNvGrpSpPr/>
+        <p:nvPr/>
+      </p:nvGrpSpPr>
+      <p:grpSpPr>
+        <a:xfrm>
+          <a:off x="0" y="0"/>
+          <a:ext cx="0" cy="0"/>
+          <a:chOff x="0" y="0"/>
+          <a:chExt cx="0" cy="0"/>
+        </a:xfrm>
+      </p:grpSpPr>
+      <p:sp>
+        <p:nvSpPr>
+          <p:cNvPr id="3" name="Content Placeholder 2">
+            <a:extLst>
+              <a:ext uri="{FF2B5EF4-FFF2-40B4-BE49-F238E27FC236}">
+                <a16:creationId xmlns:a16="http://schemas.microsoft.com/office/drawing/2014/main" id="{605FDD8F-D01E-4AEF-8400-1A5D5D37E135}"/>
+              </a:ext>
+            </a:extLst>
+          </p:cNvPr>
+          <p:cNvSpPr>
+            <a:spLocks noGrp="1"/>
+          </p:cNvSpPr>
+          <p:nvPr>
+            <p:ph idx="1"/>
+          </p:nvPr>
+        </p:nvSpPr>
+        <p:spPr/>
+        <p:txBody>
+          <a:bodyPr>
+            <a:normAutofit/>
+          </a:bodyPr>
+          <a:lstStyle/>
+          <a:p>
+            <a:pPr marL="0" indent="0">
+              <a:buNone/>
+            </a:pPr>
+            <a:r>
+              <a:rPr lang="en-US" sz="11500" dirty="0"/>
+              <a:t>JAZAKALLAH</a:t>
+            </a:r>
+          </a:p>
+        </p:txBody>
+      </p:sp>
+    </p:spTree>
+    <p:extLst>
+      <p:ext uri="{BB962C8B-B14F-4D97-AF65-F5344CB8AC3E}">
+        <p14:creationId xmlns:p14="http://schemas.microsoft.com/office/powerpoint/2010/main" val="3376296344"/>
       </p:ext>
     </p:extLst>
   </p:cSld>
